--- a/id_321908402_328897079_parallel_k_means_clustering.pptx
+++ b/id_321908402_328897079_parallel_k_means_clustering.pptx
@@ -12,6 +12,7 @@
     <p:sldId id="262" r:id="rId6"/>
     <p:sldId id="260" r:id="rId7"/>
     <p:sldId id="261" r:id="rId8"/>
+    <p:sldId id="263" r:id="rId9"/>
   </p:sldIdLst>
   <p:sldSz cx="12192000" cy="6858000"/>
   <p:notesSz cx="6858000" cy="9144000"/>
@@ -110,6 +111,11 @@
       </a:defRPr>
     </a:lvl9pPr>
   </p:defaultTextStyle>
+  <p:extLst>
+    <p:ext uri="{EFAFB233-063F-42B5-8137-9DF3F51BA10A}">
+      <p15:sldGuideLst xmlns:p15="http://schemas.microsoft.com/office/powerpoint/2012/main"/>
+    </p:ext>
+  </p:extLst>
 </p:presentation>
 </file>
 
@@ -615,7 +621,7 @@
           <a:p>
             <a:fld id="{84829868-977A-49F8-A8F7-A250FE393635}" type="datetimeFigureOut">
               <a:rPr lang="en-IL" smtClean="0"/>
-              <a:t>24/04/2020</a:t>
+              <a:t>09/05/2020</a:t>
             </a:fld>
             <a:endParaRPr lang="en-IL"/>
           </a:p>
@@ -911,7 +917,7 @@
           <a:p>
             <a:fld id="{84829868-977A-49F8-A8F7-A250FE393635}" type="datetimeFigureOut">
               <a:rPr lang="en-IL" smtClean="0"/>
-              <a:t>24/04/2020</a:t>
+              <a:t>09/05/2020</a:t>
             </a:fld>
             <a:endParaRPr lang="en-IL"/>
           </a:p>
@@ -1159,7 +1165,7 @@
           <a:p>
             <a:fld id="{84829868-977A-49F8-A8F7-A250FE393635}" type="datetimeFigureOut">
               <a:rPr lang="en-IL" smtClean="0"/>
-              <a:t>24/04/2020</a:t>
+              <a:t>09/05/2020</a:t>
             </a:fld>
             <a:endParaRPr lang="en-IL"/>
           </a:p>
@@ -1699,7 +1705,7 @@
           <a:p>
             <a:fld id="{84829868-977A-49F8-A8F7-A250FE393635}" type="datetimeFigureOut">
               <a:rPr lang="en-IL" smtClean="0"/>
-              <a:t>24/04/2020</a:t>
+              <a:t>09/05/2020</a:t>
             </a:fld>
             <a:endParaRPr lang="en-IL"/>
           </a:p>
@@ -1947,7 +1953,7 @@
           <a:p>
             <a:fld id="{84829868-977A-49F8-A8F7-A250FE393635}" type="datetimeFigureOut">
               <a:rPr lang="en-IL" smtClean="0"/>
-              <a:t>24/04/2020</a:t>
+              <a:t>09/05/2020</a:t>
             </a:fld>
             <a:endParaRPr lang="en-IL"/>
           </a:p>
@@ -2479,7 +2485,7 @@
           <a:p>
             <a:fld id="{84829868-977A-49F8-A8F7-A250FE393635}" type="datetimeFigureOut">
               <a:rPr lang="en-IL" smtClean="0"/>
-              <a:t>24/04/2020</a:t>
+              <a:t>09/05/2020</a:t>
             </a:fld>
             <a:endParaRPr lang="en-IL"/>
           </a:p>
@@ -2776,7 +2782,7 @@
           <a:p>
             <a:fld id="{84829868-977A-49F8-A8F7-A250FE393635}" type="datetimeFigureOut">
               <a:rPr lang="en-IL" smtClean="0"/>
-              <a:t>24/04/2020</a:t>
+              <a:t>09/05/2020</a:t>
             </a:fld>
             <a:endParaRPr lang="en-IL"/>
           </a:p>
@@ -2950,7 +2956,7 @@
           <a:p>
             <a:fld id="{84829868-977A-49F8-A8F7-A250FE393635}" type="datetimeFigureOut">
               <a:rPr lang="en-IL" smtClean="0"/>
-              <a:t>24/04/2020</a:t>
+              <a:t>09/05/2020</a:t>
             </a:fld>
             <a:endParaRPr lang="en-IL"/>
           </a:p>
@@ -3130,7 +3136,7 @@
           <a:p>
             <a:fld id="{84829868-977A-49F8-A8F7-A250FE393635}" type="datetimeFigureOut">
               <a:rPr lang="en-IL" smtClean="0"/>
-              <a:t>24/04/2020</a:t>
+              <a:t>09/05/2020</a:t>
             </a:fld>
             <a:endParaRPr lang="en-IL"/>
           </a:p>
@@ -3300,7 +3306,7 @@
           <a:p>
             <a:fld id="{84829868-977A-49F8-A8F7-A250FE393635}" type="datetimeFigureOut">
               <a:rPr lang="en-IL" smtClean="0"/>
-              <a:t>24/04/2020</a:t>
+              <a:t>09/05/2020</a:t>
             </a:fld>
             <a:endParaRPr lang="en-IL"/>
           </a:p>
@@ -3551,7 +3557,7 @@
           <a:p>
             <a:fld id="{84829868-977A-49F8-A8F7-A250FE393635}" type="datetimeFigureOut">
               <a:rPr lang="en-IL" smtClean="0"/>
-              <a:t>24/04/2020</a:t>
+              <a:t>09/05/2020</a:t>
             </a:fld>
             <a:endParaRPr lang="en-IL"/>
           </a:p>
@@ -3848,7 +3854,7 @@
           <a:p>
             <a:fld id="{84829868-977A-49F8-A8F7-A250FE393635}" type="datetimeFigureOut">
               <a:rPr lang="en-IL" smtClean="0"/>
-              <a:t>24/04/2020</a:t>
+              <a:t>09/05/2020</a:t>
             </a:fld>
             <a:endParaRPr lang="en-IL"/>
           </a:p>
@@ -4290,7 +4296,7 @@
           <a:p>
             <a:fld id="{84829868-977A-49F8-A8F7-A250FE393635}" type="datetimeFigureOut">
               <a:rPr lang="en-IL" smtClean="0"/>
-              <a:t>24/04/2020</a:t>
+              <a:t>09/05/2020</a:t>
             </a:fld>
             <a:endParaRPr lang="en-IL"/>
           </a:p>
@@ -4408,7 +4414,7 @@
           <a:p>
             <a:fld id="{84829868-977A-49F8-A8F7-A250FE393635}" type="datetimeFigureOut">
               <a:rPr lang="en-IL" smtClean="0"/>
-              <a:t>24/04/2020</a:t>
+              <a:t>09/05/2020</a:t>
             </a:fld>
             <a:endParaRPr lang="en-IL"/>
           </a:p>
@@ -4503,7 +4509,7 @@
           <a:p>
             <a:fld id="{84829868-977A-49F8-A8F7-A250FE393635}" type="datetimeFigureOut">
               <a:rPr lang="en-IL" smtClean="0"/>
-              <a:t>24/04/2020</a:t>
+              <a:t>09/05/2020</a:t>
             </a:fld>
             <a:endParaRPr lang="en-IL"/>
           </a:p>
@@ -4786,7 +4792,7 @@
           <a:p>
             <a:fld id="{84829868-977A-49F8-A8F7-A250FE393635}" type="datetimeFigureOut">
               <a:rPr lang="en-IL" smtClean="0"/>
-              <a:t>24/04/2020</a:t>
+              <a:t>09/05/2020</a:t>
             </a:fld>
             <a:endParaRPr lang="en-IL"/>
           </a:p>
@@ -5077,7 +5083,7 @@
           <a:p>
             <a:fld id="{84829868-977A-49F8-A8F7-A250FE393635}" type="datetimeFigureOut">
               <a:rPr lang="en-IL" smtClean="0"/>
-              <a:t>24/04/2020</a:t>
+              <a:t>09/05/2020</a:t>
             </a:fld>
             <a:endParaRPr lang="en-IL"/>
           </a:p>
@@ -5607,7 +5613,7 @@
           <a:p>
             <a:fld id="{84829868-977A-49F8-A8F7-A250FE393635}" type="datetimeFigureOut">
               <a:rPr lang="en-IL" smtClean="0"/>
-              <a:t>24/04/2020</a:t>
+              <a:t>09/05/2020</a:t>
             </a:fld>
             <a:endParaRPr lang="en-IL"/>
           </a:p>
@@ -6944,10 +6950,15 @@
             <p:ph idx="1"/>
           </p:nvPr>
         </p:nvSpPr>
-        <p:spPr/>
+        <p:spPr>
+          <a:xfrm>
+            <a:off x="1484310" y="1871003"/>
+            <a:ext cx="10018713" cy="3920197"/>
+          </a:xfrm>
+        </p:spPr>
         <p:txBody>
           <a:bodyPr>
-            <a:normAutofit fontScale="77500" lnSpcReduction="20000"/>
+            <a:normAutofit fontScale="92500" lnSpcReduction="10000"/>
           </a:bodyPr>
           <a:lstStyle/>
           <a:p>
@@ -7091,10 +7102,15 @@
                 <p:ph idx="1"/>
               </p:nvPr>
             </p:nvSpPr>
-            <p:spPr/>
+            <p:spPr>
+              <a:xfrm>
+                <a:off x="1484310" y="1899138"/>
+                <a:ext cx="10018713" cy="4051495"/>
+              </a:xfrm>
+            </p:spPr>
             <p:txBody>
               <a:bodyPr>
-                <a:normAutofit fontScale="62500" lnSpcReduction="20000"/>
+                <a:normAutofit fontScale="70000" lnSpcReduction="20000"/>
               </a:bodyPr>
               <a:lstStyle/>
               <a:p>
@@ -7459,10 +7475,14 @@
               </p:nvPr>
             </p:nvSpPr>
             <p:spPr>
+              <a:xfrm>
+                <a:off x="1484310" y="1899138"/>
+                <a:ext cx="10018713" cy="4051495"/>
+              </a:xfrm>
               <a:blipFill>
                 <a:blip r:embed="rId2"/>
                 <a:stretch>
-                  <a:fillRect l="-669" t="-3704" b="-3119"/>
+                  <a:fillRect l="-852" t="-904" b="-301"/>
                 </a:stretch>
               </a:blipFill>
             </p:spPr>
@@ -7556,10 +7576,15 @@
             <p:ph idx="1"/>
           </p:nvPr>
         </p:nvSpPr>
-        <p:spPr/>
+        <p:spPr>
+          <a:xfrm>
+            <a:off x="1484310" y="1814732"/>
+            <a:ext cx="10018713" cy="4121833"/>
+          </a:xfrm>
+        </p:spPr>
         <p:txBody>
           <a:bodyPr>
-            <a:normAutofit fontScale="62500" lnSpcReduction="20000"/>
+            <a:normAutofit fontScale="85000" lnSpcReduction="10000"/>
           </a:bodyPr>
           <a:lstStyle/>
           <a:p>
@@ -7785,10 +7810,15 @@
             <p:ph idx="1"/>
           </p:nvPr>
         </p:nvSpPr>
-        <p:spPr/>
+        <p:spPr>
+          <a:xfrm>
+            <a:off x="1484310" y="1856935"/>
+            <a:ext cx="10018713" cy="4121834"/>
+          </a:xfrm>
+        </p:spPr>
         <p:txBody>
           <a:bodyPr>
-            <a:normAutofit fontScale="62500" lnSpcReduction="20000"/>
+            <a:normAutofit fontScale="77500" lnSpcReduction="20000"/>
           </a:bodyPr>
           <a:lstStyle/>
           <a:p>
@@ -8094,19 +8124,19 @@
         </p:nvSpPr>
         <p:spPr>
           <a:xfrm>
-            <a:off x="975114" y="2857501"/>
-            <a:ext cx="4257911" cy="3124201"/>
+            <a:off x="975114" y="1867257"/>
+            <a:ext cx="5120886" cy="4449138"/>
           </a:xfrm>
         </p:spPr>
         <p:txBody>
           <a:bodyPr>
-            <a:normAutofit fontScale="62500" lnSpcReduction="20000"/>
+            <a:normAutofit fontScale="92500" lnSpcReduction="20000"/>
           </a:bodyPr>
           <a:lstStyle/>
           <a:p>
             <a:r>
               <a:rPr lang="en-US" dirty="0"/>
-              <a:t>We have executed the 5-means clustering for the 10 000 X,Y points with the following configurations:</a:t>
+              <a:t>We have executed the 3-means clustering for the 10 000 X,Y points with the following configurations:</a:t>
             </a:r>
             <a:br>
               <a:rPr lang="en-US" dirty="0"/>
@@ -8120,49 +8150,49 @@
             </a:br>
             <a:r>
               <a:rPr lang="en-US" dirty="0"/>
-              <a:t>(2) 1 process, 4 threads per process</a:t>
+              <a:t>(2) 4 process, 1 threads per process</a:t>
             </a:r>
             <a:br>
               <a:rPr lang="en-US" dirty="0"/>
             </a:br>
             <a:r>
               <a:rPr lang="en-US" dirty="0"/>
-              <a:t>(3) 2 processes, 1 thread per process</a:t>
+              <a:t>(3) 4 processes, 2 thread per process</a:t>
             </a:r>
             <a:br>
               <a:rPr lang="en-US" dirty="0"/>
             </a:br>
             <a:r>
               <a:rPr lang="en-US" dirty="0"/>
-              <a:t>(4) 2 processes, 4 threads per process</a:t>
+              <a:t>(4) 4 processes, 3 threads per process</a:t>
             </a:r>
             <a:br>
               <a:rPr lang="en-US" dirty="0"/>
             </a:br>
             <a:r>
               <a:rPr lang="en-US" dirty="0"/>
-              <a:t>(5) 4 processes, 1 thread per process</a:t>
+              <a:t>(5) 4 processes, 4 thread per process</a:t>
             </a:r>
             <a:br>
               <a:rPr lang="en-US" dirty="0"/>
             </a:br>
             <a:r>
               <a:rPr lang="en-US" dirty="0"/>
-              <a:t>(6) 4 processes, 4 threads per process</a:t>
+              <a:t>(6) 4 processes, 5 threads per process</a:t>
             </a:r>
             <a:br>
               <a:rPr lang="en-US" dirty="0"/>
             </a:br>
             <a:r>
               <a:rPr lang="en-US" dirty="0"/>
-              <a:t>(7) 8 processes, 1 threads per process</a:t>
+              <a:t>(7) 4 processes, 6 threads per process</a:t>
             </a:r>
             <a:br>
               <a:rPr lang="en-US" dirty="0"/>
             </a:br>
             <a:r>
               <a:rPr lang="en-US" dirty="0"/>
-              <a:t>(8) 8 processes, 4 thread per process</a:t>
+              <a:t>(8) 4 processes, 7 thread per process</a:t>
             </a:r>
           </a:p>
           <a:p>
@@ -8183,10 +8213,10 @@
       </p:sp>
       <p:pic>
         <p:nvPicPr>
-          <p:cNvPr id="4" name="Picture 3">
+          <p:cNvPr id="5" name="Picture 4">
             <a:extLst>
               <a:ext uri="{FF2B5EF4-FFF2-40B4-BE49-F238E27FC236}">
-                <a16:creationId xmlns:a16="http://schemas.microsoft.com/office/drawing/2014/main" id="{F9AB105E-12FD-4B2B-880D-702AADD03183}"/>
+                <a16:creationId xmlns:a16="http://schemas.microsoft.com/office/drawing/2014/main" id="{8A083699-1DD7-4DF7-815A-AB335B05B76A}"/>
               </a:ext>
             </a:extLst>
           </p:cNvPr>
@@ -8203,8 +8233,8 @@
         </p:blipFill>
         <p:spPr>
           <a:xfrm>
-            <a:off x="5056680" y="3018408"/>
-            <a:ext cx="7135320" cy="3839592"/>
+            <a:off x="6096001" y="1867256"/>
+            <a:ext cx="6096000" cy="4990744"/>
           </a:xfrm>
           <a:prstGeom prst="rect">
             <a:avLst/>
@@ -8215,6 +8245,136 @@
     <p:extLst>
       <p:ext uri="{BB962C8B-B14F-4D97-AF65-F5344CB8AC3E}">
         <p14:creationId xmlns:p14="http://schemas.microsoft.com/office/powerpoint/2010/main" val="1909660637"/>
+      </p:ext>
+    </p:extLst>
+  </p:cSld>
+  <p:clrMapOvr>
+    <a:masterClrMapping/>
+  </p:clrMapOvr>
+</p:sld>
+</file>
+
+<file path=ppt/slides/slide8.xml><?xml version="1.0" encoding="utf-8"?>
+<p:sld xmlns:a="http://schemas.openxmlformats.org/drawingml/2006/main" xmlns:r="http://schemas.openxmlformats.org/officeDocument/2006/relationships" xmlns:p="http://schemas.openxmlformats.org/presentationml/2006/main">
+  <p:cSld>
+    <p:spTree>
+      <p:nvGrpSpPr>
+        <p:cNvPr id="1" name=""/>
+        <p:cNvGrpSpPr/>
+        <p:nvPr/>
+      </p:nvGrpSpPr>
+      <p:grpSpPr>
+        <a:xfrm>
+          <a:off x="0" y="0"/>
+          <a:ext cx="0" cy="0"/>
+          <a:chOff x="0" y="0"/>
+          <a:chExt cx="0" cy="0"/>
+        </a:xfrm>
+      </p:grpSpPr>
+      <p:sp>
+        <p:nvSpPr>
+          <p:cNvPr id="2" name="Title 1">
+            <a:extLst>
+              <a:ext uri="{FF2B5EF4-FFF2-40B4-BE49-F238E27FC236}">
+                <a16:creationId xmlns:a16="http://schemas.microsoft.com/office/drawing/2014/main" id="{C1E4B9C3-9867-4A79-B249-E7C313A7EFA9}"/>
+              </a:ext>
+            </a:extLst>
+          </p:cNvPr>
+          <p:cNvSpPr>
+            <a:spLocks noGrp="1"/>
+          </p:cNvSpPr>
+          <p:nvPr>
+            <p:ph type="title"/>
+          </p:nvPr>
+        </p:nvSpPr>
+        <p:spPr/>
+        <p:txBody>
+          <a:bodyPr/>
+          <a:lstStyle/>
+          <a:p>
+            <a:r>
+              <a:rPr lang="en-US" dirty="0"/>
+              <a:t>Conclusion</a:t>
+            </a:r>
+            <a:endParaRPr lang="en-IL" dirty="0"/>
+          </a:p>
+        </p:txBody>
+      </p:sp>
+      <p:sp>
+        <p:nvSpPr>
+          <p:cNvPr id="3" name="Content Placeholder 2">
+            <a:extLst>
+              <a:ext uri="{FF2B5EF4-FFF2-40B4-BE49-F238E27FC236}">
+                <a16:creationId xmlns:a16="http://schemas.microsoft.com/office/drawing/2014/main" id="{A36621F4-1B98-4A8E-BD01-6F3CD7009B99}"/>
+              </a:ext>
+            </a:extLst>
+          </p:cNvPr>
+          <p:cNvSpPr>
+            <a:spLocks noGrp="1"/>
+          </p:cNvSpPr>
+          <p:nvPr>
+            <p:ph idx="1"/>
+          </p:nvPr>
+        </p:nvSpPr>
+        <p:spPr>
+          <a:xfrm>
+            <a:off x="1484310" y="1913207"/>
+            <a:ext cx="10018713" cy="3877994"/>
+          </a:xfrm>
+        </p:spPr>
+        <p:txBody>
+          <a:bodyPr>
+            <a:normAutofit fontScale="92500" lnSpcReduction="10000"/>
+          </a:bodyPr>
+          <a:lstStyle/>
+          <a:p>
+            <a:r>
+              <a:rPr lang="en-US" dirty="0"/>
+              <a:t>As you can see from the previous graph, the execution time is optimize almost by the factor of 2 once we use the parallel approach instead of the linear.</a:t>
+            </a:r>
+          </a:p>
+          <a:p>
+            <a:r>
+              <a:rPr lang="en-US" dirty="0"/>
+              <a:t>Unfortunately, the difference of the execution time is not significant when we use different amount of threads on the already paralleled implementation with the processes. This setback is caused by the Python3 implementation of the multiprocessing module.</a:t>
+            </a:r>
+          </a:p>
+          <a:p>
+            <a:r>
+              <a:rPr lang="en-US" dirty="0"/>
+              <a:t>The multiprocessing module allows for each </a:t>
+            </a:r>
+            <a:r>
+              <a:rPr lang="en-US" dirty="0" err="1"/>
+              <a:t>multiprocessing.Process</a:t>
+            </a:r>
+            <a:r>
+              <a:rPr lang="en-US" dirty="0"/>
+              <a:t> to execute </a:t>
+            </a:r>
+            <a:r>
+              <a:rPr lang="en-US" dirty="0" err="1"/>
+              <a:t>threading.Threads</a:t>
+            </a:r>
+            <a:r>
+              <a:rPr lang="en-US" dirty="0"/>
+              <a:t> </a:t>
+            </a:r>
+            <a:r>
+              <a:rPr lang="en-US" b="1" dirty="0"/>
+              <a:t>once</a:t>
+            </a:r>
+            <a:r>
+              <a:rPr lang="en-US" dirty="0"/>
+              <a:t> per its lifetime. This complicates the implementation to the point where the use of this feature may be less optimal due to the time that needs to be invested into the resources management planning, tasks distribution and results aggregation.</a:t>
+            </a:r>
+          </a:p>
+        </p:txBody>
+      </p:sp>
+    </p:spTree>
+    <p:extLst>
+      <p:ext uri="{BB962C8B-B14F-4D97-AF65-F5344CB8AC3E}">
+        <p14:creationId xmlns:p14="http://schemas.microsoft.com/office/powerpoint/2010/main" val="432107412"/>
       </p:ext>
     </p:extLst>
   </p:cSld>
